--- a/docs/SlideDeck.pptx
+++ b/docs/SlideDeck.pptx
@@ -6,6 +6,8 @@
   </p:sldMasterIdLst>
   <p:sldIdLst>
     <p:sldId id="256" r:id="rId2"/>
+    <p:sldId id="258" r:id="rId3"/>
+    <p:sldId id="260" r:id="rId4"/>
   </p:sldIdLst>
   <p:sldSz cx="12192000" cy="6858000"/>
   <p:notesSz cx="6858000" cy="9144000"/>
@@ -104,6 +106,11 @@
       </a:defRPr>
     </a:lvl9pPr>
   </p:defaultTextStyle>
+  <p:extLst>
+    <p:ext uri="{EFAFB233-063F-42B5-8137-9DF3F51BA10A}">
+      <p15:sldGuideLst xmlns:p15="http://schemas.microsoft.com/office/powerpoint/2012/main"/>
+    </p:ext>
+  </p:extLst>
 </p:presentation>
 </file>
 
@@ -256,7 +263,7 @@
           <a:p>
             <a:fld id="{A260A9F7-3040-4342-97EF-E9BE540D271F}" type="datetimeFigureOut">
               <a:rPr lang="en-US" smtClean="0"/>
-              <a:t>3/12/20</a:t>
+              <a:t>3/13/20</a:t>
             </a:fld>
             <a:endParaRPr lang="en-US"/>
           </a:p>
@@ -456,7 +463,7 @@
           <a:p>
             <a:fld id="{A260A9F7-3040-4342-97EF-E9BE540D271F}" type="datetimeFigureOut">
               <a:rPr lang="en-US" smtClean="0"/>
-              <a:t>3/12/20</a:t>
+              <a:t>3/13/20</a:t>
             </a:fld>
             <a:endParaRPr lang="en-US"/>
           </a:p>
@@ -666,7 +673,7 @@
           <a:p>
             <a:fld id="{A260A9F7-3040-4342-97EF-E9BE540D271F}" type="datetimeFigureOut">
               <a:rPr lang="en-US" smtClean="0"/>
-              <a:t>3/12/20</a:t>
+              <a:t>3/13/20</a:t>
             </a:fld>
             <a:endParaRPr lang="en-US"/>
           </a:p>
@@ -866,7 +873,7 @@
           <a:p>
             <a:fld id="{A260A9F7-3040-4342-97EF-E9BE540D271F}" type="datetimeFigureOut">
               <a:rPr lang="en-US" smtClean="0"/>
-              <a:t>3/12/20</a:t>
+              <a:t>3/13/20</a:t>
             </a:fld>
             <a:endParaRPr lang="en-US"/>
           </a:p>
@@ -1142,7 +1149,7 @@
           <a:p>
             <a:fld id="{A260A9F7-3040-4342-97EF-E9BE540D271F}" type="datetimeFigureOut">
               <a:rPr lang="en-US" smtClean="0"/>
-              <a:t>3/12/20</a:t>
+              <a:t>3/13/20</a:t>
             </a:fld>
             <a:endParaRPr lang="en-US"/>
           </a:p>
@@ -1410,7 +1417,7 @@
           <a:p>
             <a:fld id="{A260A9F7-3040-4342-97EF-E9BE540D271F}" type="datetimeFigureOut">
               <a:rPr lang="en-US" smtClean="0"/>
-              <a:t>3/12/20</a:t>
+              <a:t>3/13/20</a:t>
             </a:fld>
             <a:endParaRPr lang="en-US"/>
           </a:p>
@@ -1825,7 +1832,7 @@
           <a:p>
             <a:fld id="{A260A9F7-3040-4342-97EF-E9BE540D271F}" type="datetimeFigureOut">
               <a:rPr lang="en-US" smtClean="0"/>
-              <a:t>3/12/20</a:t>
+              <a:t>3/13/20</a:t>
             </a:fld>
             <a:endParaRPr lang="en-US"/>
           </a:p>
@@ -1967,7 +1974,7 @@
           <a:p>
             <a:fld id="{A260A9F7-3040-4342-97EF-E9BE540D271F}" type="datetimeFigureOut">
               <a:rPr lang="en-US" smtClean="0"/>
-              <a:t>3/12/20</a:t>
+              <a:t>3/13/20</a:t>
             </a:fld>
             <a:endParaRPr lang="en-US"/>
           </a:p>
@@ -2080,7 +2087,7 @@
           <a:p>
             <a:fld id="{A260A9F7-3040-4342-97EF-E9BE540D271F}" type="datetimeFigureOut">
               <a:rPr lang="en-US" smtClean="0"/>
-              <a:t>3/12/20</a:t>
+              <a:t>3/13/20</a:t>
             </a:fld>
             <a:endParaRPr lang="en-US"/>
           </a:p>
@@ -2393,7 +2400,7 @@
           <a:p>
             <a:fld id="{A260A9F7-3040-4342-97EF-E9BE540D271F}" type="datetimeFigureOut">
               <a:rPr lang="en-US" smtClean="0"/>
-              <a:t>3/12/20</a:t>
+              <a:t>3/13/20</a:t>
             </a:fld>
             <a:endParaRPr lang="en-US"/>
           </a:p>
@@ -2682,7 +2689,7 @@
           <a:p>
             <a:fld id="{A260A9F7-3040-4342-97EF-E9BE540D271F}" type="datetimeFigureOut">
               <a:rPr lang="en-US" smtClean="0"/>
-              <a:t>3/12/20</a:t>
+              <a:t>3/13/20</a:t>
             </a:fld>
             <a:endParaRPr lang="en-US"/>
           </a:p>
@@ -2925,7 +2932,7 @@
           <a:p>
             <a:fld id="{A260A9F7-3040-4342-97EF-E9BE540D271F}" type="datetimeFigureOut">
               <a:rPr lang="en-US" smtClean="0"/>
-              <a:t>3/12/20</a:t>
+              <a:t>3/13/20</a:t>
             </a:fld>
             <a:endParaRPr lang="en-US"/>
           </a:p>
@@ -3331,7 +3338,7 @@
     <p:bg>
       <p:bgPr>
         <a:solidFill>
-          <a:srgbClr val="F14300"/>
+          <a:srgbClr val="FD6B37"/>
         </a:solidFill>
         <a:effectLst/>
       </p:bgPr>
@@ -3352,10 +3359,10 @@
       </p:grpSpPr>
       <p:sp>
         <p:nvSpPr>
-          <p:cNvPr id="5" name="Rectangle 4">
-            <a:extLst>
-              <a:ext uri="{FF2B5EF4-FFF2-40B4-BE49-F238E27FC236}">
-                <a16:creationId xmlns:a16="http://schemas.microsoft.com/office/drawing/2014/main" id="{8E7D0C21-28CD-9447-A910-13A54E6C73A0}"/>
+          <p:cNvPr id="6" name="Rectangle 5">
+            <a:extLst>
+              <a:ext uri="{FF2B5EF4-FFF2-40B4-BE49-F238E27FC236}">
+                <a16:creationId xmlns:a16="http://schemas.microsoft.com/office/drawing/2014/main" id="{E83E03C7-6851-7C4D-BBF9-D187A1ACA308}"/>
               </a:ext>
             </a:extLst>
           </p:cNvPr>
@@ -3363,9 +3370,9 @@
           <p:nvPr/>
         </p:nvSpPr>
         <p:spPr>
-          <a:xfrm rot="21025630">
-            <a:off x="-78177" y="838171"/>
-            <a:ext cx="12348354" cy="5343585"/>
+          <a:xfrm>
+            <a:off x="219456" y="212307"/>
+            <a:ext cx="11784871" cy="6426237"/>
           </a:xfrm>
           <a:prstGeom prst="rect">
             <a:avLst/>
@@ -3398,7 +3405,11 @@
           <a:lstStyle/>
           <a:p>
             <a:pPr algn="ctr"/>
-            <a:endParaRPr lang="en-US"/>
+            <a:endParaRPr lang="en-US" sz="4000" dirty="0">
+              <a:solidFill>
+                <a:schemeClr val="tx1"/>
+              </a:solidFill>
+            </a:endParaRPr>
           </a:p>
         </p:txBody>
       </p:sp>
@@ -3424,7 +3435,10 @@
           <a:lstStyle/>
           <a:p>
             <a:r>
-              <a:rPr lang="en-US" dirty="0"/>
+              <a:rPr lang="en-US" dirty="0">
+                <a:latin typeface="Tw Cen MT" panose="020B0602020104020603" pitchFamily="34" charset="77"/>
+                <a:cs typeface="Algerian" panose="020F0502020204030204" pitchFamily="34" charset="0"/>
+              </a:rPr>
               <a:t>HangmanRUBY</a:t>
             </a:r>
           </a:p>
@@ -3446,7 +3460,12 @@
             <p:ph type="subTitle" idx="1"/>
           </p:nvPr>
         </p:nvSpPr>
-        <p:spPr/>
+        <p:spPr>
+          <a:xfrm>
+            <a:off x="1524000" y="3955843"/>
+            <a:ext cx="9144000" cy="1655762"/>
+          </a:xfrm>
+        </p:spPr>
         <p:txBody>
           <a:bodyPr/>
           <a:lstStyle/>
@@ -3462,6 +3481,324 @@
     <p:extLst>
       <p:ext uri="{BB962C8B-B14F-4D97-AF65-F5344CB8AC3E}">
         <p14:creationId xmlns:p14="http://schemas.microsoft.com/office/powerpoint/2010/main" val="4240647866"/>
+      </p:ext>
+    </p:extLst>
+  </p:cSld>
+  <p:clrMapOvr>
+    <a:masterClrMapping/>
+  </p:clrMapOvr>
+</p:sld>
+</file>
+
+<file path=ppt/slides/slide2.xml><?xml version="1.0" encoding="utf-8"?>
+<p:sld xmlns:a="http://schemas.openxmlformats.org/drawingml/2006/main" xmlns:r="http://schemas.openxmlformats.org/officeDocument/2006/relationships" xmlns:p="http://schemas.openxmlformats.org/presentationml/2006/main">
+  <p:cSld>
+    <p:bg>
+      <p:bgPr>
+        <a:solidFill>
+          <a:srgbClr val="FD6B37"/>
+        </a:solidFill>
+        <a:effectLst/>
+      </p:bgPr>
+    </p:bg>
+    <p:spTree>
+      <p:nvGrpSpPr>
+        <p:cNvPr id="1" name=""/>
+        <p:cNvGrpSpPr/>
+        <p:nvPr/>
+      </p:nvGrpSpPr>
+      <p:grpSpPr>
+        <a:xfrm>
+          <a:off x="0" y="0"/>
+          <a:ext cx="0" cy="0"/>
+          <a:chOff x="0" y="0"/>
+          <a:chExt cx="0" cy="0"/>
+        </a:xfrm>
+      </p:grpSpPr>
+      <p:sp>
+        <p:nvSpPr>
+          <p:cNvPr id="5" name="Rectangle 4">
+            <a:extLst>
+              <a:ext uri="{FF2B5EF4-FFF2-40B4-BE49-F238E27FC236}">
+                <a16:creationId xmlns:a16="http://schemas.microsoft.com/office/drawing/2014/main" id="{8E7D0C21-28CD-9447-A910-13A54E6C73A0}"/>
+              </a:ext>
+            </a:extLst>
+          </p:cNvPr>
+          <p:cNvSpPr/>
+          <p:nvPr/>
+        </p:nvSpPr>
+        <p:spPr>
+          <a:xfrm>
+            <a:off x="219456" y="212307"/>
+            <a:ext cx="11784871" cy="6462813"/>
+          </a:xfrm>
+          <a:prstGeom prst="rect">
+            <a:avLst/>
+          </a:prstGeom>
+          <a:solidFill>
+            <a:schemeClr val="bg1"/>
+          </a:solidFill>
+          <a:ln>
+            <a:noFill/>
+          </a:ln>
+        </p:spPr>
+        <p:style>
+          <a:lnRef idx="2">
+            <a:schemeClr val="accent1">
+              <a:shade val="50000"/>
+            </a:schemeClr>
+          </a:lnRef>
+          <a:fillRef idx="1">
+            <a:schemeClr val="accent1"/>
+          </a:fillRef>
+          <a:effectRef idx="0">
+            <a:schemeClr val="accent1"/>
+          </a:effectRef>
+          <a:fontRef idx="minor">
+            <a:schemeClr val="lt1"/>
+          </a:fontRef>
+        </p:style>
+        <p:txBody>
+          <a:bodyPr rtlCol="0" anchor="ctr"/>
+          <a:lstStyle/>
+          <a:p>
+            <a:pPr algn="ctr"/>
+            <a:endParaRPr lang="en-US" sz="4000" dirty="0">
+              <a:solidFill>
+                <a:schemeClr val="tx1"/>
+              </a:solidFill>
+            </a:endParaRPr>
+          </a:p>
+        </p:txBody>
+      </p:sp>
+      <p:sp>
+        <p:nvSpPr>
+          <p:cNvPr id="2" name="TextBox 1">
+            <a:extLst>
+              <a:ext uri="{FF2B5EF4-FFF2-40B4-BE49-F238E27FC236}">
+                <a16:creationId xmlns:a16="http://schemas.microsoft.com/office/drawing/2014/main" id="{C668AA21-882D-5944-9AD8-3587BFA55273}"/>
+              </a:ext>
+            </a:extLst>
+          </p:cNvPr>
+          <p:cNvSpPr txBox="1"/>
+          <p:nvPr/>
+        </p:nvSpPr>
+        <p:spPr>
+          <a:xfrm>
+            <a:off x="1192696" y="887896"/>
+            <a:ext cx="10151165" cy="4278094"/>
+          </a:xfrm>
+          <a:prstGeom prst="rect">
+            <a:avLst/>
+          </a:prstGeom>
+          <a:noFill/>
+        </p:spPr>
+        <p:txBody>
+          <a:bodyPr wrap="square" rtlCol="0">
+            <a:spAutoFit/>
+          </a:bodyPr>
+          <a:lstStyle/>
+          <a:p>
+            <a:pPr algn="ctr"/>
+            <a:r>
+              <a:rPr lang="en-US" sz="4800" dirty="0"/>
+              <a:t>Main Features:</a:t>
+            </a:r>
+          </a:p>
+          <a:p>
+            <a:pPr algn="ctr"/>
+            <a:endParaRPr lang="en-US" sz="4800" dirty="0"/>
+          </a:p>
+          <a:p>
+            <a:pPr algn="ctr"/>
+            <a:endParaRPr lang="en-US" dirty="0"/>
+          </a:p>
+          <a:p>
+            <a:pPr marL="285750" indent="-285750">
+              <a:buFont typeface="Arial" panose="020B0604020202020204" pitchFamily="34" charset="0"/>
+              <a:buChar char="•"/>
+            </a:pPr>
+            <a:r>
+              <a:rPr lang="en-US" sz="2800" dirty="0"/>
+              <a:t>Attractive User Interface</a:t>
+            </a:r>
+          </a:p>
+          <a:p>
+            <a:pPr marL="285750" indent="-285750">
+              <a:buFont typeface="Arial" panose="020B0604020202020204" pitchFamily="34" charset="0"/>
+              <a:buChar char="•"/>
+            </a:pPr>
+            <a:r>
+              <a:rPr lang="en-US" sz="2800" dirty="0"/>
+              <a:t>Soundtrack</a:t>
+            </a:r>
+          </a:p>
+          <a:p>
+            <a:pPr marL="285750" indent="-285750">
+              <a:buFont typeface="Arial" panose="020B0604020202020204" pitchFamily="34" charset="0"/>
+              <a:buChar char="•"/>
+            </a:pPr>
+            <a:r>
+              <a:rPr lang="en-US" sz="2800" dirty="0"/>
+              <a:t>Less like a “Terminal Application”,</a:t>
+            </a:r>
+            <a:br>
+              <a:rPr lang="en-US" sz="2800" dirty="0"/>
+            </a:br>
+            <a:r>
+              <a:rPr lang="en-US" sz="2800" dirty="0"/>
+              <a:t>more like a game.</a:t>
+            </a:r>
+          </a:p>
+          <a:p>
+            <a:pPr marL="285750" indent="-285750">
+              <a:buFont typeface="Arial" panose="020B0604020202020204" pitchFamily="34" charset="0"/>
+              <a:buChar char="•"/>
+            </a:pPr>
+            <a:r>
+              <a:rPr lang="en-US" sz="2800" dirty="0"/>
+              <a:t>Can hang a dude.</a:t>
+            </a:r>
+          </a:p>
+          <a:p>
+            <a:endParaRPr lang="en-US" dirty="0"/>
+          </a:p>
+        </p:txBody>
+      </p:sp>
+    </p:spTree>
+    <p:extLst>
+      <p:ext uri="{BB962C8B-B14F-4D97-AF65-F5344CB8AC3E}">
+        <p14:creationId xmlns:p14="http://schemas.microsoft.com/office/powerpoint/2010/main" val="4095687837"/>
+      </p:ext>
+    </p:extLst>
+  </p:cSld>
+  <p:clrMapOvr>
+    <a:masterClrMapping/>
+  </p:clrMapOvr>
+</p:sld>
+</file>
+
+<file path=ppt/slides/slide3.xml><?xml version="1.0" encoding="utf-8"?>
+<p:sld xmlns:a="http://schemas.openxmlformats.org/drawingml/2006/main" xmlns:r="http://schemas.openxmlformats.org/officeDocument/2006/relationships" xmlns:p="http://schemas.openxmlformats.org/presentationml/2006/main">
+  <p:cSld>
+    <p:bg>
+      <p:bgPr>
+        <a:solidFill>
+          <a:srgbClr val="FD6B37"/>
+        </a:solidFill>
+        <a:effectLst/>
+      </p:bgPr>
+    </p:bg>
+    <p:spTree>
+      <p:nvGrpSpPr>
+        <p:cNvPr id="1" name=""/>
+        <p:cNvGrpSpPr/>
+        <p:nvPr/>
+      </p:nvGrpSpPr>
+      <p:grpSpPr>
+        <a:xfrm>
+          <a:off x="0" y="0"/>
+          <a:ext cx="0" cy="0"/>
+          <a:chOff x="0" y="0"/>
+          <a:chExt cx="0" cy="0"/>
+        </a:xfrm>
+      </p:grpSpPr>
+      <p:sp>
+        <p:nvSpPr>
+          <p:cNvPr id="5" name="Rectangle 4">
+            <a:extLst>
+              <a:ext uri="{FF2B5EF4-FFF2-40B4-BE49-F238E27FC236}">
+                <a16:creationId xmlns:a16="http://schemas.microsoft.com/office/drawing/2014/main" id="{8E7D0C21-28CD-9447-A910-13A54E6C73A0}"/>
+              </a:ext>
+            </a:extLst>
+          </p:cNvPr>
+          <p:cNvSpPr/>
+          <p:nvPr/>
+        </p:nvSpPr>
+        <p:spPr>
+          <a:xfrm>
+            <a:off x="182880" y="212307"/>
+            <a:ext cx="11821447" cy="6426237"/>
+          </a:xfrm>
+          <a:prstGeom prst="rect">
+            <a:avLst/>
+          </a:prstGeom>
+          <a:solidFill>
+            <a:schemeClr val="bg1"/>
+          </a:solidFill>
+          <a:ln>
+            <a:noFill/>
+          </a:ln>
+        </p:spPr>
+        <p:style>
+          <a:lnRef idx="2">
+            <a:schemeClr val="accent1">
+              <a:shade val="50000"/>
+            </a:schemeClr>
+          </a:lnRef>
+          <a:fillRef idx="1">
+            <a:schemeClr val="accent1"/>
+          </a:fillRef>
+          <a:effectRef idx="0">
+            <a:schemeClr val="accent1"/>
+          </a:effectRef>
+          <a:fontRef idx="minor">
+            <a:schemeClr val="lt1"/>
+          </a:fontRef>
+        </p:style>
+        <p:txBody>
+          <a:bodyPr rtlCol="0" anchor="ctr"/>
+          <a:lstStyle/>
+          <a:p>
+            <a:pPr algn="ctr"/>
+            <a:endParaRPr lang="en-US" sz="4000" dirty="0">
+              <a:solidFill>
+                <a:schemeClr val="tx1"/>
+              </a:solidFill>
+            </a:endParaRPr>
+          </a:p>
+        </p:txBody>
+      </p:sp>
+      <p:sp>
+        <p:nvSpPr>
+          <p:cNvPr id="2" name="TextBox 1">
+            <a:extLst>
+              <a:ext uri="{FF2B5EF4-FFF2-40B4-BE49-F238E27FC236}">
+                <a16:creationId xmlns:a16="http://schemas.microsoft.com/office/drawing/2014/main" id="{C668AA21-882D-5944-9AD8-3587BFA55273}"/>
+              </a:ext>
+            </a:extLst>
+          </p:cNvPr>
+          <p:cNvSpPr txBox="1"/>
+          <p:nvPr/>
+        </p:nvSpPr>
+        <p:spPr>
+          <a:xfrm>
+            <a:off x="1066799" y="2756205"/>
+            <a:ext cx="10151165" cy="830997"/>
+          </a:xfrm>
+          <a:prstGeom prst="rect">
+            <a:avLst/>
+          </a:prstGeom>
+          <a:noFill/>
+        </p:spPr>
+        <p:txBody>
+          <a:bodyPr wrap="square" rtlCol="0">
+            <a:spAutoFit/>
+          </a:bodyPr>
+          <a:lstStyle/>
+          <a:p>
+            <a:pPr algn="ctr"/>
+            <a:r>
+              <a:rPr lang="en-US" sz="4800" dirty="0"/>
+              <a:t>CODE REVIEW</a:t>
+            </a:r>
+          </a:p>
+        </p:txBody>
+      </p:sp>
+    </p:spTree>
+    <p:extLst>
+      <p:ext uri="{BB962C8B-B14F-4D97-AF65-F5344CB8AC3E}">
+        <p14:creationId xmlns:p14="http://schemas.microsoft.com/office/powerpoint/2010/main" val="2648909063"/>
       </p:ext>
     </p:extLst>
   </p:cSld>
